--- a/tddbc4cpp/tdd4cpp_demo.pptx
+++ b/tddbc4cpp/tdd4cpp_demo.pptx
@@ -301,7 +301,7 @@
           <a:p>
             <a:fld id="{E90ED720-0104-4369-84BC-D37694168613}" type="datetimeFigureOut">
               <a:rPr kumimoji="1" lang="ja-JP" altLang="en-US" smtClean="0"/>
-              <a:t>2011/10/12</a:t>
+              <a:t>11/10/18</a:t>
             </a:fld>
             <a:endParaRPr kumimoji="1" lang="ja-JP" altLang="en-US"/>
           </a:p>
@@ -498,7 +498,7 @@
           <a:p>
             <a:fld id="{E90ED720-0104-4369-84BC-D37694168613}" type="datetimeFigureOut">
               <a:rPr kumimoji="1" lang="ja-JP" altLang="en-US" smtClean="0"/>
-              <a:t>2011/10/12</a:t>
+              <a:t>11/10/18</a:t>
             </a:fld>
             <a:endParaRPr kumimoji="1" lang="ja-JP" altLang="en-US"/>
           </a:p>
@@ -705,7 +705,7 @@
           <a:p>
             <a:fld id="{E90ED720-0104-4369-84BC-D37694168613}" type="datetimeFigureOut">
               <a:rPr kumimoji="1" lang="ja-JP" altLang="en-US" smtClean="0"/>
-              <a:t>2011/10/12</a:t>
+              <a:t>11/10/18</a:t>
             </a:fld>
             <a:endParaRPr kumimoji="1" lang="ja-JP" altLang="en-US"/>
           </a:p>
@@ -902,7 +902,7 @@
           <a:p>
             <a:fld id="{E90ED720-0104-4369-84BC-D37694168613}" type="datetimeFigureOut">
               <a:rPr kumimoji="1" lang="ja-JP" altLang="en-US" smtClean="0"/>
-              <a:t>2011/10/12</a:t>
+              <a:t>11/10/18</a:t>
             </a:fld>
             <a:endParaRPr kumimoji="1" lang="ja-JP" altLang="en-US"/>
           </a:p>
@@ -1143,7 +1143,7 @@
           <a:p>
             <a:fld id="{E90ED720-0104-4369-84BC-D37694168613}" type="datetimeFigureOut">
               <a:rPr kumimoji="1" lang="ja-JP" altLang="en-US" smtClean="0"/>
-              <a:t>2011/10/12</a:t>
+              <a:t>11/10/18</a:t>
             </a:fld>
             <a:endParaRPr kumimoji="1" lang="ja-JP" altLang="en-US"/>
           </a:p>
@@ -1490,7 +1490,7 @@
           <a:p>
             <a:fld id="{E90ED720-0104-4369-84BC-D37694168613}" type="datetimeFigureOut">
               <a:rPr kumimoji="1" lang="ja-JP" altLang="en-US" smtClean="0"/>
-              <a:t>2011/10/12</a:t>
+              <a:t>11/10/18</a:t>
             </a:fld>
             <a:endParaRPr kumimoji="1" lang="ja-JP" altLang="en-US"/>
           </a:p>
@@ -1971,7 +1971,7 @@
           <a:p>
             <a:fld id="{E90ED720-0104-4369-84BC-D37694168613}" type="datetimeFigureOut">
               <a:rPr kumimoji="1" lang="ja-JP" altLang="en-US" smtClean="0"/>
-              <a:t>2011/10/12</a:t>
+              <a:t>11/10/18</a:t>
             </a:fld>
             <a:endParaRPr kumimoji="1" lang="ja-JP" altLang="en-US"/>
           </a:p>
@@ -2084,7 +2084,7 @@
           <a:p>
             <a:fld id="{E90ED720-0104-4369-84BC-D37694168613}" type="datetimeFigureOut">
               <a:rPr kumimoji="1" lang="ja-JP" altLang="en-US" smtClean="0"/>
-              <a:t>2011/10/12</a:t>
+              <a:t>11/10/18</a:t>
             </a:fld>
             <a:endParaRPr kumimoji="1" lang="ja-JP" altLang="en-US"/>
           </a:p>
@@ -2174,7 +2174,7 @@
           <a:p>
             <a:fld id="{E90ED720-0104-4369-84BC-D37694168613}" type="datetimeFigureOut">
               <a:rPr kumimoji="1" lang="ja-JP" altLang="en-US" smtClean="0"/>
-              <a:t>2011/10/12</a:t>
+              <a:t>11/10/18</a:t>
             </a:fld>
             <a:endParaRPr kumimoji="1" lang="ja-JP" altLang="en-US"/>
           </a:p>
@@ -2478,7 +2478,7 @@
           <a:p>
             <a:fld id="{E90ED720-0104-4369-84BC-D37694168613}" type="datetimeFigureOut">
               <a:rPr kumimoji="1" lang="ja-JP" altLang="en-US" smtClean="0"/>
-              <a:t>2011/10/12</a:t>
+              <a:t>11/10/18</a:t>
             </a:fld>
             <a:endParaRPr kumimoji="1" lang="ja-JP" altLang="en-US"/>
           </a:p>
@@ -2726,7 +2726,7 @@
           <a:p>
             <a:fld id="{E90ED720-0104-4369-84BC-D37694168613}" type="datetimeFigureOut">
               <a:rPr kumimoji="1" lang="ja-JP" altLang="en-US" smtClean="0"/>
-              <a:t>2011/10/12</a:t>
+              <a:t>11/10/18</a:t>
             </a:fld>
             <a:endParaRPr kumimoji="1" lang="ja-JP" altLang="en-US"/>
           </a:p>
@@ -2966,7 +2966,7 @@
           <a:p>
             <a:fld id="{E90ED720-0104-4369-84BC-D37694168613}" type="datetimeFigureOut">
               <a:rPr kumimoji="1" lang="ja-JP" altLang="en-US" smtClean="0"/>
-              <a:t>2011/10/12</a:t>
+              <a:t>11/10/18</a:t>
             </a:fld>
             <a:endParaRPr kumimoji="1" lang="ja-JP" altLang="en-US"/>
           </a:p>
@@ -3935,7 +3935,7 @@
           </a:prstGeom>
           <a:noFill/>
           <a:extLst>
-            <a:ext uri="{909E8E84-426E-40DD-AFC4-6F175D3DCCD1}">
+            <a:ext uri="{909E8E84-426E-40dd-AFC4-6F175D3DCCD1}">
               <a14:hiddenFill xmlns:a14="http://schemas.microsoft.com/office/drawing/2010/main">
                 <a:solidFill>
                   <a:srgbClr val="FFFFFF"/>
@@ -4019,6 +4019,48 @@
           </a:p>
         </p:txBody>
       </p:sp>
+      <p:sp>
+        <p:nvSpPr>
+          <p:cNvPr id="10" name="円/楕円 9"/>
+          <p:cNvSpPr/>
+          <p:nvPr/>
+        </p:nvSpPr>
+        <p:spPr>
+          <a:xfrm rot="1885707">
+            <a:off x="6372721" y="1387172"/>
+            <a:ext cx="2348260" cy="2319847"/>
+          </a:xfrm>
+          <a:prstGeom prst="ellipse">
+            <a:avLst/>
+          </a:prstGeom>
+        </p:spPr>
+        <p:style>
+          <a:lnRef idx="0">
+            <a:schemeClr val="accent3"/>
+          </a:lnRef>
+          <a:fillRef idx="3">
+            <a:schemeClr val="accent3"/>
+          </a:fillRef>
+          <a:effectRef idx="3">
+            <a:schemeClr val="accent3"/>
+          </a:effectRef>
+          <a:fontRef idx="minor">
+            <a:schemeClr val="lt1"/>
+          </a:fontRef>
+        </p:style>
+        <p:txBody>
+          <a:bodyPr rtlCol="0" anchor="ctr"/>
+          <a:lstStyle/>
+          <a:p>
+            <a:pPr algn="ctr"/>
+            <a:r>
+              <a:rPr kumimoji="1" lang="en-US" altLang="ja-JP" sz="4400" b="1" dirty="0" smtClean="0"/>
+              <a:t>Green</a:t>
+            </a:r>
+            <a:endParaRPr kumimoji="1" lang="ja-JP" altLang="en-US" sz="4400" b="1" dirty="0"/>
+          </a:p>
+        </p:txBody>
+      </p:sp>
     </p:spTree>
     <p:extLst>
       <p:ext uri="{BB962C8B-B14F-4D97-AF65-F5344CB8AC3E}">
@@ -4032,7 +4074,7 @@
   <p:timing>
     <p:tnLst>
       <p:par>
-        <p:cTn id="1" dur="indefinite" restart="never" nodeType="tmRoot"/>
+        <p:cTn xmlns:p14="http://schemas.microsoft.com/office/powerpoint/2010/main" id="1" dur="indefinite" restart="never" nodeType="tmRoot"/>
       </p:par>
     </p:tnLst>
   </p:timing>
@@ -4615,7 +4657,7 @@
           </a:prstGeom>
           <a:noFill/>
           <a:extLst>
-            <a:ext uri="{909E8E84-426E-40DD-AFC4-6F175D3DCCD1}">
+            <a:ext uri="{909E8E84-426E-40dd-AFC4-6F175D3DCCD1}">
               <a14:hiddenFill xmlns:a14="http://schemas.microsoft.com/office/drawing/2010/main">
                 <a:solidFill>
                   <a:srgbClr val="FFFFFF"/>
@@ -4706,6 +4748,48 @@
           </a:p>
         </p:txBody>
       </p:sp>
+      <p:sp>
+        <p:nvSpPr>
+          <p:cNvPr id="9" name="円/楕円 8"/>
+          <p:cNvSpPr/>
+          <p:nvPr/>
+        </p:nvSpPr>
+        <p:spPr>
+          <a:xfrm rot="1885707">
+            <a:off x="6372721" y="1387172"/>
+            <a:ext cx="2348260" cy="2319847"/>
+          </a:xfrm>
+          <a:prstGeom prst="ellipse">
+            <a:avLst/>
+          </a:prstGeom>
+        </p:spPr>
+        <p:style>
+          <a:lnRef idx="0">
+            <a:schemeClr val="accent2"/>
+          </a:lnRef>
+          <a:fillRef idx="3">
+            <a:schemeClr val="accent2"/>
+          </a:fillRef>
+          <a:effectRef idx="3">
+            <a:schemeClr val="accent2"/>
+          </a:effectRef>
+          <a:fontRef idx="minor">
+            <a:schemeClr val="lt1"/>
+          </a:fontRef>
+        </p:style>
+        <p:txBody>
+          <a:bodyPr rtlCol="0" anchor="ctr"/>
+          <a:lstStyle/>
+          <a:p>
+            <a:pPr algn="ctr"/>
+            <a:r>
+              <a:rPr kumimoji="1" lang="en-US" altLang="ja-JP" sz="5400" b="1" dirty="0" smtClean="0"/>
+              <a:t>Red</a:t>
+            </a:r>
+            <a:endParaRPr kumimoji="1" lang="ja-JP" altLang="en-US" sz="5400" b="1" dirty="0"/>
+          </a:p>
+        </p:txBody>
+      </p:sp>
     </p:spTree>
     <p:extLst>
       <p:ext uri="{BB962C8B-B14F-4D97-AF65-F5344CB8AC3E}">
@@ -4719,7 +4803,7 @@
   <p:timing>
     <p:tnLst>
       <p:par>
-        <p:cTn id="1" dur="indefinite" restart="never" nodeType="tmRoot"/>
+        <p:cTn xmlns:p14="http://schemas.microsoft.com/office/powerpoint/2010/main" id="1" dur="indefinite" restart="never" nodeType="tmRoot"/>
       </p:par>
     </p:tnLst>
   </p:timing>
@@ -5426,7 +5510,7 @@
           </a:prstGeom>
           <a:noFill/>
           <a:extLst>
-            <a:ext uri="{909E8E84-426E-40DD-AFC4-6F175D3DCCD1}">
+            <a:ext uri="{909E8E84-426E-40dd-AFC4-6F175D3DCCD1}">
               <a14:hiddenFill xmlns:a14="http://schemas.microsoft.com/office/drawing/2010/main">
                 <a:solidFill>
                   <a:srgbClr val="FFFFFF"/>
@@ -5510,6 +5594,48 @@
           </a:p>
         </p:txBody>
       </p:sp>
+      <p:sp>
+        <p:nvSpPr>
+          <p:cNvPr id="8" name="円/楕円 7"/>
+          <p:cNvSpPr/>
+          <p:nvPr/>
+        </p:nvSpPr>
+        <p:spPr>
+          <a:xfrm rot="1885707">
+            <a:off x="6372721" y="1387172"/>
+            <a:ext cx="2348260" cy="2319847"/>
+          </a:xfrm>
+          <a:prstGeom prst="ellipse">
+            <a:avLst/>
+          </a:prstGeom>
+        </p:spPr>
+        <p:style>
+          <a:lnRef idx="0">
+            <a:schemeClr val="accent3"/>
+          </a:lnRef>
+          <a:fillRef idx="3">
+            <a:schemeClr val="accent3"/>
+          </a:fillRef>
+          <a:effectRef idx="3">
+            <a:schemeClr val="accent3"/>
+          </a:effectRef>
+          <a:fontRef idx="minor">
+            <a:schemeClr val="lt1"/>
+          </a:fontRef>
+        </p:style>
+        <p:txBody>
+          <a:bodyPr rtlCol="0" anchor="ctr"/>
+          <a:lstStyle/>
+          <a:p>
+            <a:pPr algn="ctr"/>
+            <a:r>
+              <a:rPr kumimoji="1" lang="en-US" altLang="ja-JP" sz="4400" b="1" dirty="0" smtClean="0"/>
+              <a:t>Green</a:t>
+            </a:r>
+            <a:endParaRPr kumimoji="1" lang="ja-JP" altLang="en-US" sz="4400" b="1" dirty="0"/>
+          </a:p>
+        </p:txBody>
+      </p:sp>
     </p:spTree>
     <p:extLst>
       <p:ext uri="{BB962C8B-B14F-4D97-AF65-F5344CB8AC3E}">
@@ -5523,7 +5649,7 @@
   <p:timing>
     <p:tnLst>
       <p:par>
-        <p:cTn id="1" dur="indefinite" restart="never" nodeType="tmRoot"/>
+        <p:cTn xmlns:p14="http://schemas.microsoft.com/office/powerpoint/2010/main" id="1" dur="indefinite" restart="never" nodeType="tmRoot"/>
       </p:par>
     </p:tnLst>
   </p:timing>
@@ -5984,7 +6110,7 @@
           </a:prstGeom>
           <a:noFill/>
           <a:extLst>
-            <a:ext uri="{909E8E84-426E-40DD-AFC4-6F175D3DCCD1}">
+            <a:ext uri="{909E8E84-426E-40dd-AFC4-6F175D3DCCD1}">
               <a14:hiddenFill xmlns:a14="http://schemas.microsoft.com/office/drawing/2010/main">
                 <a:solidFill>
                   <a:srgbClr val="FFFFFF"/>
@@ -6068,6 +6194,48 @@
           </a:p>
         </p:txBody>
       </p:sp>
+      <p:sp>
+        <p:nvSpPr>
+          <p:cNvPr id="9" name="円/楕円 8"/>
+          <p:cNvSpPr/>
+          <p:nvPr/>
+        </p:nvSpPr>
+        <p:spPr>
+          <a:xfrm rot="1885707">
+            <a:off x="6372721" y="1387172"/>
+            <a:ext cx="2348260" cy="2319847"/>
+          </a:xfrm>
+          <a:prstGeom prst="ellipse">
+            <a:avLst/>
+          </a:prstGeom>
+        </p:spPr>
+        <p:style>
+          <a:lnRef idx="0">
+            <a:schemeClr val="accent3"/>
+          </a:lnRef>
+          <a:fillRef idx="3">
+            <a:schemeClr val="accent3"/>
+          </a:fillRef>
+          <a:effectRef idx="3">
+            <a:schemeClr val="accent3"/>
+          </a:effectRef>
+          <a:fontRef idx="minor">
+            <a:schemeClr val="lt1"/>
+          </a:fontRef>
+        </p:style>
+        <p:txBody>
+          <a:bodyPr rtlCol="0" anchor="ctr"/>
+          <a:lstStyle/>
+          <a:p>
+            <a:pPr algn="ctr"/>
+            <a:r>
+              <a:rPr lang="en-US" altLang="ja-JP" sz="3200" b="1" dirty="0" smtClean="0"/>
+              <a:t>Refactor</a:t>
+            </a:r>
+            <a:endParaRPr kumimoji="1" lang="ja-JP" altLang="en-US" sz="3200" b="1" dirty="0"/>
+          </a:p>
+        </p:txBody>
+      </p:sp>
     </p:spTree>
     <p:extLst>
       <p:ext uri="{BB962C8B-B14F-4D97-AF65-F5344CB8AC3E}">
@@ -6081,7 +6249,7 @@
   <p:timing>
     <p:tnLst>
       <p:par>
-        <p:cTn id="1" dur="indefinite" restart="never" nodeType="tmRoot"/>
+        <p:cTn xmlns:p14="http://schemas.microsoft.com/office/powerpoint/2010/main" id="1" dur="indefinite" restart="never" nodeType="tmRoot"/>
       </p:par>
     </p:tnLst>
   </p:timing>
@@ -6178,7 +6346,7 @@
   <p:timing>
     <p:tnLst>
       <p:par>
-        <p:cTn id="1" dur="indefinite" restart="never" nodeType="tmRoot"/>
+        <p:cTn xmlns:p14="http://schemas.microsoft.com/office/powerpoint/2010/main" id="1" dur="indefinite" restart="never" nodeType="tmRoot"/>
       </p:par>
     </p:tnLst>
   </p:timing>
@@ -6242,7 +6410,9 @@
           </a:xfrm>
         </p:spPr>
         <p:txBody>
-          <a:bodyPr/>
+          <a:bodyPr>
+            <a:normAutofit lnSpcReduction="10000"/>
+          </a:bodyPr>
           <a:lstStyle/>
           <a:p>
             <a:r>
@@ -6381,7 +6551,7 @@
   <p:timing>
     <p:tnLst>
       <p:par>
-        <p:cTn id="1" dur="indefinite" restart="never" nodeType="tmRoot"/>
+        <p:cTn xmlns:p14="http://schemas.microsoft.com/office/powerpoint/2010/main" id="1" dur="indefinite" restart="never" nodeType="tmRoot"/>
       </p:par>
     </p:tnLst>
   </p:timing>
@@ -6464,7 +6634,7 @@
   <p:timing>
     <p:tnLst>
       <p:par>
-        <p:cTn id="1" dur="indefinite" restart="never" nodeType="tmRoot"/>
+        <p:cTn xmlns:p14="http://schemas.microsoft.com/office/powerpoint/2010/main" id="1" dur="indefinite" restart="never" nodeType="tmRoot"/>
       </p:par>
     </p:tnLst>
   </p:timing>
@@ -6769,7 +6939,7 @@
           </a:prstGeom>
           <a:noFill/>
           <a:extLst>
-            <a:ext uri="{909E8E84-426E-40DD-AFC4-6F175D3DCCD1}">
+            <a:ext uri="{909E8E84-426E-40dd-AFC4-6F175D3DCCD1}">
               <a14:hiddenFill xmlns:a14="http://schemas.microsoft.com/office/drawing/2010/main">
                 <a:solidFill>
                   <a:srgbClr val="FFFFFF"/>
@@ -6819,6 +6989,48 @@
           </a:p>
         </p:txBody>
       </p:sp>
+      <p:sp>
+        <p:nvSpPr>
+          <p:cNvPr id="9" name="円/楕円 8"/>
+          <p:cNvSpPr/>
+          <p:nvPr/>
+        </p:nvSpPr>
+        <p:spPr>
+          <a:xfrm rot="1885707">
+            <a:off x="6372721" y="1387172"/>
+            <a:ext cx="2348260" cy="2319847"/>
+          </a:xfrm>
+          <a:prstGeom prst="ellipse">
+            <a:avLst/>
+          </a:prstGeom>
+        </p:spPr>
+        <p:style>
+          <a:lnRef idx="0">
+            <a:schemeClr val="accent2"/>
+          </a:lnRef>
+          <a:fillRef idx="3">
+            <a:schemeClr val="accent2"/>
+          </a:fillRef>
+          <a:effectRef idx="3">
+            <a:schemeClr val="accent2"/>
+          </a:effectRef>
+          <a:fontRef idx="minor">
+            <a:schemeClr val="lt1"/>
+          </a:fontRef>
+        </p:style>
+        <p:txBody>
+          <a:bodyPr rtlCol="0" anchor="ctr"/>
+          <a:lstStyle/>
+          <a:p>
+            <a:pPr algn="ctr"/>
+            <a:r>
+              <a:rPr kumimoji="1" lang="en-US" altLang="ja-JP" sz="5400" b="1" dirty="0" smtClean="0"/>
+              <a:t>Red</a:t>
+            </a:r>
+            <a:endParaRPr kumimoji="1" lang="ja-JP" altLang="en-US" sz="5400" b="1" dirty="0"/>
+          </a:p>
+        </p:txBody>
+      </p:sp>
     </p:spTree>
     <p:extLst>
       <p:ext uri="{BB962C8B-B14F-4D97-AF65-F5344CB8AC3E}">
@@ -6832,7 +7044,7 @@
   <p:timing>
     <p:tnLst>
       <p:par>
-        <p:cTn id="1" dur="indefinite" restart="never" nodeType="tmRoot"/>
+        <p:cTn xmlns:p14="http://schemas.microsoft.com/office/powerpoint/2010/main" id="1" dur="indefinite" restart="never" nodeType="tmRoot"/>
       </p:par>
     </p:tnLst>
   </p:timing>
@@ -7091,7 +7303,7 @@
           </a:prstGeom>
           <a:noFill/>
           <a:extLst>
-            <a:ext uri="{909E8E84-426E-40DD-AFC4-6F175D3DCCD1}">
+            <a:ext uri="{909E8E84-426E-40dd-AFC4-6F175D3DCCD1}">
               <a14:hiddenFill xmlns:a14="http://schemas.microsoft.com/office/drawing/2010/main">
                 <a:solidFill>
                   <a:srgbClr val="FFFFFF"/>
@@ -7190,6 +7402,48 @@
           </a:p>
         </p:txBody>
       </p:sp>
+      <p:sp>
+        <p:nvSpPr>
+          <p:cNvPr id="10" name="円/楕円 9"/>
+          <p:cNvSpPr/>
+          <p:nvPr/>
+        </p:nvSpPr>
+        <p:spPr>
+          <a:xfrm rot="1885707">
+            <a:off x="6372721" y="1387172"/>
+            <a:ext cx="2348260" cy="2319847"/>
+          </a:xfrm>
+          <a:prstGeom prst="ellipse">
+            <a:avLst/>
+          </a:prstGeom>
+        </p:spPr>
+        <p:style>
+          <a:lnRef idx="0">
+            <a:schemeClr val="accent3"/>
+          </a:lnRef>
+          <a:fillRef idx="3">
+            <a:schemeClr val="accent3"/>
+          </a:fillRef>
+          <a:effectRef idx="3">
+            <a:schemeClr val="accent3"/>
+          </a:effectRef>
+          <a:fontRef idx="minor">
+            <a:schemeClr val="lt1"/>
+          </a:fontRef>
+        </p:style>
+        <p:txBody>
+          <a:bodyPr rtlCol="0" anchor="ctr"/>
+          <a:lstStyle/>
+          <a:p>
+            <a:pPr algn="ctr"/>
+            <a:r>
+              <a:rPr kumimoji="1" lang="en-US" altLang="ja-JP" sz="4400" b="1" dirty="0" smtClean="0"/>
+              <a:t>Green</a:t>
+            </a:r>
+            <a:endParaRPr kumimoji="1" lang="ja-JP" altLang="en-US" sz="4400" b="1" dirty="0"/>
+          </a:p>
+        </p:txBody>
+      </p:sp>
     </p:spTree>
     <p:extLst>
       <p:ext uri="{BB962C8B-B14F-4D97-AF65-F5344CB8AC3E}">
@@ -7203,7 +7457,7 @@
   <p:timing>
     <p:tnLst>
       <p:par>
-        <p:cTn id="1" dur="indefinite" restart="never" nodeType="tmRoot"/>
+        <p:cTn xmlns:p14="http://schemas.microsoft.com/office/powerpoint/2010/main" id="1" dur="indefinite" restart="never" nodeType="tmRoot"/>
       </p:par>
     </p:tnLst>
   </p:timing>
@@ -7465,7 +7719,7 @@
           </a:prstGeom>
           <a:noFill/>
           <a:extLst>
-            <a:ext uri="{909E8E84-426E-40DD-AFC4-6F175D3DCCD1}">
+            <a:ext uri="{909E8E84-426E-40dd-AFC4-6F175D3DCCD1}">
               <a14:hiddenFill xmlns:a14="http://schemas.microsoft.com/office/drawing/2010/main">
                 <a:solidFill>
                   <a:srgbClr val="FFFFFF"/>
@@ -7552,6 +7806,48 @@
           </a:p>
         </p:txBody>
       </p:sp>
+      <p:sp>
+        <p:nvSpPr>
+          <p:cNvPr id="6" name="円/楕円 5"/>
+          <p:cNvSpPr/>
+          <p:nvPr/>
+        </p:nvSpPr>
+        <p:spPr>
+          <a:xfrm rot="1885707">
+            <a:off x="6372721" y="1387172"/>
+            <a:ext cx="2348260" cy="2319847"/>
+          </a:xfrm>
+          <a:prstGeom prst="ellipse">
+            <a:avLst/>
+          </a:prstGeom>
+        </p:spPr>
+        <p:style>
+          <a:lnRef idx="0">
+            <a:schemeClr val="accent2"/>
+          </a:lnRef>
+          <a:fillRef idx="3">
+            <a:schemeClr val="accent2"/>
+          </a:fillRef>
+          <a:effectRef idx="3">
+            <a:schemeClr val="accent2"/>
+          </a:effectRef>
+          <a:fontRef idx="minor">
+            <a:schemeClr val="lt1"/>
+          </a:fontRef>
+        </p:style>
+        <p:txBody>
+          <a:bodyPr rtlCol="0" anchor="ctr"/>
+          <a:lstStyle/>
+          <a:p>
+            <a:pPr algn="ctr"/>
+            <a:r>
+              <a:rPr kumimoji="1" lang="en-US" altLang="ja-JP" sz="5400" b="1" dirty="0" smtClean="0"/>
+              <a:t>Red</a:t>
+            </a:r>
+            <a:endParaRPr kumimoji="1" lang="ja-JP" altLang="en-US" sz="5400" b="1" dirty="0"/>
+          </a:p>
+        </p:txBody>
+      </p:sp>
     </p:spTree>
     <p:extLst>
       <p:ext uri="{BB962C8B-B14F-4D97-AF65-F5344CB8AC3E}">
@@ -7565,7 +7861,7 @@
   <p:timing>
     <p:tnLst>
       <p:par>
-        <p:cTn id="1" dur="indefinite" restart="never" nodeType="tmRoot"/>
+        <p:cTn xmlns:p14="http://schemas.microsoft.com/office/powerpoint/2010/main" id="1" dur="indefinite" restart="never" nodeType="tmRoot"/>
       </p:par>
     </p:tnLst>
   </p:timing>
@@ -7620,7 +7916,7 @@
           </a:prstGeom>
           <a:noFill/>
           <a:extLst>
-            <a:ext uri="{909E8E84-426E-40DD-AFC4-6F175D3DCCD1}">
+            <a:ext uri="{909E8E84-426E-40dd-AFC4-6F175D3DCCD1}">
               <a14:hiddenFill xmlns:a14="http://schemas.microsoft.com/office/drawing/2010/main">
                 <a:solidFill>
                   <a:srgbClr val="FFFFFF"/>
@@ -8043,6 +8339,48 @@
           </a:p>
         </p:txBody>
       </p:sp>
+      <p:sp>
+        <p:nvSpPr>
+          <p:cNvPr id="9" name="円/楕円 8"/>
+          <p:cNvSpPr/>
+          <p:nvPr/>
+        </p:nvSpPr>
+        <p:spPr>
+          <a:xfrm rot="1885707">
+            <a:off x="6372721" y="1387172"/>
+            <a:ext cx="2348260" cy="2319847"/>
+          </a:xfrm>
+          <a:prstGeom prst="ellipse">
+            <a:avLst/>
+          </a:prstGeom>
+        </p:spPr>
+        <p:style>
+          <a:lnRef idx="0">
+            <a:schemeClr val="accent2"/>
+          </a:lnRef>
+          <a:fillRef idx="3">
+            <a:schemeClr val="accent2"/>
+          </a:fillRef>
+          <a:effectRef idx="3">
+            <a:schemeClr val="accent2"/>
+          </a:effectRef>
+          <a:fontRef idx="minor">
+            <a:schemeClr val="lt1"/>
+          </a:fontRef>
+        </p:style>
+        <p:txBody>
+          <a:bodyPr rtlCol="0" anchor="ctr"/>
+          <a:lstStyle/>
+          <a:p>
+            <a:pPr algn="ctr"/>
+            <a:r>
+              <a:rPr kumimoji="1" lang="en-US" altLang="ja-JP" sz="5400" b="1" dirty="0" smtClean="0"/>
+              <a:t>Red</a:t>
+            </a:r>
+            <a:endParaRPr kumimoji="1" lang="ja-JP" altLang="en-US" sz="5400" b="1" dirty="0"/>
+          </a:p>
+        </p:txBody>
+      </p:sp>
     </p:spTree>
     <p:extLst>
       <p:ext uri="{BB962C8B-B14F-4D97-AF65-F5344CB8AC3E}">
@@ -8056,7 +8394,7 @@
   <p:timing>
     <p:tnLst>
       <p:par>
-        <p:cTn id="1" dur="indefinite" restart="never" nodeType="tmRoot"/>
+        <p:cTn xmlns:p14="http://schemas.microsoft.com/office/powerpoint/2010/main" id="1" dur="indefinite" restart="never" nodeType="tmRoot"/>
       </p:par>
     </p:tnLst>
   </p:timing>
@@ -8111,7 +8449,7 @@
           </a:prstGeom>
           <a:noFill/>
           <a:extLst>
-            <a:ext uri="{909E8E84-426E-40DD-AFC4-6F175D3DCCD1}">
+            <a:ext uri="{909E8E84-426E-40dd-AFC4-6F175D3DCCD1}">
               <a14:hiddenFill xmlns:a14="http://schemas.microsoft.com/office/drawing/2010/main">
                 <a:solidFill>
                   <a:srgbClr val="FFFFFF"/>
@@ -8539,6 +8877,48 @@
           </a:p>
         </p:txBody>
       </p:sp>
+      <p:sp>
+        <p:nvSpPr>
+          <p:cNvPr id="6" name="円/楕円 5"/>
+          <p:cNvSpPr/>
+          <p:nvPr/>
+        </p:nvSpPr>
+        <p:spPr>
+          <a:xfrm rot="1885707">
+            <a:off x="6372721" y="1387172"/>
+            <a:ext cx="2348260" cy="2319847"/>
+          </a:xfrm>
+          <a:prstGeom prst="ellipse">
+            <a:avLst/>
+          </a:prstGeom>
+        </p:spPr>
+        <p:style>
+          <a:lnRef idx="0">
+            <a:schemeClr val="accent3"/>
+          </a:lnRef>
+          <a:fillRef idx="3">
+            <a:schemeClr val="accent3"/>
+          </a:fillRef>
+          <a:effectRef idx="3">
+            <a:schemeClr val="accent3"/>
+          </a:effectRef>
+          <a:fontRef idx="minor">
+            <a:schemeClr val="lt1"/>
+          </a:fontRef>
+        </p:style>
+        <p:txBody>
+          <a:bodyPr rtlCol="0" anchor="ctr"/>
+          <a:lstStyle/>
+          <a:p>
+            <a:pPr algn="ctr"/>
+            <a:r>
+              <a:rPr kumimoji="1" lang="en-US" altLang="ja-JP" sz="4400" b="1" dirty="0" smtClean="0"/>
+              <a:t>Green</a:t>
+            </a:r>
+            <a:endParaRPr kumimoji="1" lang="ja-JP" altLang="en-US" sz="4400" b="1" dirty="0"/>
+          </a:p>
+        </p:txBody>
+      </p:sp>
     </p:spTree>
     <p:extLst>
       <p:ext uri="{BB962C8B-B14F-4D97-AF65-F5344CB8AC3E}">
@@ -8552,7 +8932,7 @@
   <p:timing>
     <p:tnLst>
       <p:par>
-        <p:cTn id="1" dur="indefinite" restart="never" nodeType="tmRoot"/>
+        <p:cTn xmlns:p14="http://schemas.microsoft.com/office/powerpoint/2010/main" id="1" dur="indefinite" restart="never" nodeType="tmRoot"/>
       </p:par>
     </p:tnLst>
   </p:timing>
@@ -8607,7 +8987,7 @@
           </a:prstGeom>
           <a:noFill/>
           <a:extLst>
-            <a:ext uri="{909E8E84-426E-40DD-AFC4-6F175D3DCCD1}">
+            <a:ext uri="{909E8E84-426E-40dd-AFC4-6F175D3DCCD1}">
               <a14:hiddenFill xmlns:a14="http://schemas.microsoft.com/office/drawing/2010/main">
                 <a:solidFill>
                   <a:srgbClr val="FFFFFF"/>
@@ -9068,6 +9448,48 @@
           </a:p>
         </p:txBody>
       </p:sp>
+      <p:sp>
+        <p:nvSpPr>
+          <p:cNvPr id="9" name="円/楕円 8"/>
+          <p:cNvSpPr/>
+          <p:nvPr/>
+        </p:nvSpPr>
+        <p:spPr>
+          <a:xfrm rot="1885707">
+            <a:off x="6372721" y="1387172"/>
+            <a:ext cx="2348260" cy="2319847"/>
+          </a:xfrm>
+          <a:prstGeom prst="ellipse">
+            <a:avLst/>
+          </a:prstGeom>
+        </p:spPr>
+        <p:style>
+          <a:lnRef idx="0">
+            <a:schemeClr val="accent2"/>
+          </a:lnRef>
+          <a:fillRef idx="3">
+            <a:schemeClr val="accent2"/>
+          </a:fillRef>
+          <a:effectRef idx="3">
+            <a:schemeClr val="accent2"/>
+          </a:effectRef>
+          <a:fontRef idx="minor">
+            <a:schemeClr val="lt1"/>
+          </a:fontRef>
+        </p:style>
+        <p:txBody>
+          <a:bodyPr rtlCol="0" anchor="ctr"/>
+          <a:lstStyle/>
+          <a:p>
+            <a:pPr algn="ctr"/>
+            <a:r>
+              <a:rPr kumimoji="1" lang="en-US" altLang="ja-JP" sz="5400" b="1" dirty="0" smtClean="0"/>
+              <a:t>Red</a:t>
+            </a:r>
+            <a:endParaRPr kumimoji="1" lang="ja-JP" altLang="en-US" sz="5400" b="1" dirty="0"/>
+          </a:p>
+        </p:txBody>
+      </p:sp>
     </p:spTree>
     <p:extLst>
       <p:ext uri="{BB962C8B-B14F-4D97-AF65-F5344CB8AC3E}">
@@ -9081,7 +9503,7 @@
   <p:timing>
     <p:tnLst>
       <p:par>
-        <p:cTn id="1" dur="indefinite" restart="never" nodeType="tmRoot"/>
+        <p:cTn xmlns:p14="http://schemas.microsoft.com/office/powerpoint/2010/main" id="1" dur="indefinite" restart="never" nodeType="tmRoot"/>
       </p:par>
     </p:tnLst>
   </p:timing>
